--- a/computer/algorithm/charts.pptx
+++ b/computer/algorithm/charts.pptx
@@ -104,6 +104,11 @@
       </a:defRPr>
     </a:lvl9pPr>
   </p:defaultTextStyle>
+  <p:extLst>
+    <p:ext uri="{EFAFB233-063F-42B5-8137-9DF3F51BA10A}">
+      <p15:sldGuideLst xmlns:p15="http://schemas.microsoft.com/office/powerpoint/2012/main"/>
+    </p:ext>
+  </p:extLst>
 </p:presentation>
 </file>
 
@@ -3357,7 +3362,7 @@
         <p:spPr>
           <a:xfrm>
             <a:off x="139865" y="3661419"/>
-            <a:ext cx="11554847" cy="3693319"/>
+            <a:ext cx="11554847" cy="3970318"/>
           </a:xfrm>
           <a:prstGeom prst="rect">
             <a:avLst/>
@@ -3699,17 +3704,20 @@
             </a:r>
           </a:p>
           <a:p>
+            <a:endParaRPr lang="en-US" altLang="zh-CN" dirty="0"/>
+          </a:p>
+          <a:p>
+            <a:r>
+              <a:rPr lang="zh-CN" altLang="en-US" dirty="0"/>
+              <a:t>节点算法</a:t>
+            </a:r>
+            <a:endParaRPr lang="en-US" altLang="zh-CN" dirty="0"/>
+          </a:p>
+          <a:p>
             <a:pPr marL="285750" indent="-285750">
               <a:buFont typeface="Arial" panose="020B0604020202020204" pitchFamily="34" charset="0"/>
               <a:buChar char="•"/>
             </a:pPr>
-            <a:endParaRPr lang="en-US" altLang="zh-CN" dirty="0"/>
-          </a:p>
-          <a:p>
-            <a:pPr marL="285750" indent="-285750">
-              <a:buFont typeface="Arial" panose="020B0604020202020204" pitchFamily="34" charset="0"/>
-              <a:buChar char="•"/>
-            </a:pPr>
             <a:r>
               <a:rPr lang="zh-CN" altLang="en-US" b="1" dirty="0"/>
               <a:t>父节</a:t>
@@ -3717,6 +3725,22 @@
             <a:r>
               <a:rPr lang="en-US" altLang="zh-CN" b="1" dirty="0"/>
               <a:t>id = id&gt;&gt;1</a:t>
+            </a:r>
+            <a:r>
+              <a:rPr lang="zh-CN" altLang="en-US" b="1" dirty="0"/>
+              <a:t>，左子节点</a:t>
+            </a:r>
+            <a:r>
+              <a:rPr lang="en-US" altLang="zh-CN" b="1" dirty="0"/>
+              <a:t>id = id&lt;&lt;1</a:t>
+            </a:r>
+            <a:r>
+              <a:rPr lang="zh-CN" altLang="en-US" b="1" dirty="0"/>
+              <a:t>，右子节点</a:t>
+            </a:r>
+            <a:r>
+              <a:rPr lang="en-US" altLang="zh-CN" b="1" dirty="0"/>
+              <a:t>id = (id&lt;&lt;1)+1</a:t>
             </a:r>
           </a:p>
           <a:p>

--- a/computer/algorithm/charts.pptx
+++ b/computer/algorithm/charts.pptx
@@ -3700,8 +3700,29 @@
             </a:pPr>
             <a:r>
               <a:rPr lang="en-US" altLang="zh-CN" b="1" dirty="0"/>
-              <a:t>Left = id&lt;&lt;N, Right = (id&lt;&lt;N) + (1&lt;&lt;N)-1</a:t>
-            </a:r>
+              <a:t>Left </a:t>
+            </a:r>
+            <a:r>
+              <a:rPr lang="en-US" altLang="zh-CN" b="1"/>
+              <a:t>= (id&lt;&lt;N) ^ (1&lt;&lt;(H-1)), </a:t>
+            </a:r>
+            <a:r>
+              <a:rPr lang="en-US" altLang="zh-CN" b="1" dirty="0"/>
+              <a:t>Right </a:t>
+            </a:r>
+            <a:r>
+              <a:rPr lang="en-US" altLang="zh-CN" b="1"/>
+              <a:t>= ((</a:t>
+            </a:r>
+            <a:r>
+              <a:rPr lang="en-US" altLang="zh-CN" b="1" dirty="0"/>
+              <a:t>id&lt;&lt;N) + (1&lt;&lt;N</a:t>
+            </a:r>
+            <a:r>
+              <a:rPr lang="en-US" altLang="zh-CN" b="1"/>
+              <a:t>)-1)^(1&lt;&lt;(H-1))</a:t>
+            </a:r>
+            <a:endParaRPr lang="en-US" altLang="zh-CN" b="1" dirty="0"/>
           </a:p>
           <a:p>
             <a:endParaRPr lang="en-US" altLang="zh-CN" dirty="0"/>
